--- a/media/device.pptx
+++ b/media/device.pptx
@@ -212,7 +212,7 @@
           <a:p>
             <a:fld id="{47277FB0-21EC-48C5-90B0-184600466A6C}" type="datetimeFigureOut">
               <a:rPr lang="zh-CN" altLang="en-US" smtClean="0"/>
-              <a:t>2018/11/30</a:t>
+              <a:t>2018/12/11</a:t>
             </a:fld>
             <a:endParaRPr lang="zh-CN" altLang="en-US"/>
           </a:p>
@@ -377,7 +377,7 @@
           <a:p>
             <a:fld id="{9C967889-4715-5C4F-A252-FFC716185AB6}" type="datetimeFigureOut">
               <a:rPr lang="en-US" smtClean="0"/>
-              <a:t>11/30/18</a:t>
+              <a:t>12/11/2018</a:t>
             </a:fld>
             <a:endParaRPr lang="en-US"/>
           </a:p>
@@ -6457,8 +6457,8 @@
           </p:nvSpPr>
           <p:spPr>
             <a:xfrm>
-              <a:off x="1387328" y="4635540"/>
-              <a:ext cx="1189749" cy="324641"/>
+              <a:off x="1441029" y="4635540"/>
+              <a:ext cx="1082348" cy="317395"/>
             </a:xfrm>
             <a:prstGeom prst="rect">
               <a:avLst/>
@@ -6477,34 +6477,14 @@
                 </a:lnSpc>
               </a:pPr>
               <a:r>
-                <a:rPr kumimoji="1" lang="en-US" altLang="zh-CN" sz="1400" dirty="0">
+                <a:rPr kumimoji="1" lang="zh-CN" altLang="en-US" sz="1400" dirty="0" smtClean="0">
                   <a:solidFill>
                     <a:srgbClr val="737893"/>
                   </a:solidFill>
                   <a:latin typeface="Helvetica" pitchFamily="2" charset="0"/>
                   <a:cs typeface="Arial" panose="020B0604020202020204" pitchFamily="34" charset="0"/>
                 </a:rPr>
-                <a:t>Wind</a:t>
-              </a:r>
-              <a:r>
-                <a:rPr kumimoji="1" lang="zh-CN" altLang="en-US" sz="1400" dirty="0">
-                  <a:solidFill>
-                    <a:srgbClr val="737893"/>
-                  </a:solidFill>
-                  <a:latin typeface="Helvetica" pitchFamily="2" charset="0"/>
-                  <a:cs typeface="Arial" panose="020B0604020202020204" pitchFamily="34" charset="0"/>
-                </a:rPr>
-                <a:t> </a:t>
-              </a:r>
-              <a:r>
-                <a:rPr kumimoji="1" lang="en-US" altLang="zh-CN" sz="1400" dirty="0">
-                  <a:solidFill>
-                    <a:srgbClr val="737893"/>
-                  </a:solidFill>
-                  <a:latin typeface="Helvetica" pitchFamily="2" charset="0"/>
-                  <a:cs typeface="Arial" panose="020B0604020202020204" pitchFamily="34" charset="0"/>
-                </a:rPr>
-                <a:t>turbine</a:t>
+                <a:t>风力发电机</a:t>
               </a:r>
               <a:endParaRPr kumimoji="1" lang="zh-CN" altLang="en-US" sz="1400" dirty="0">
                 <a:solidFill>
@@ -6906,8 +6886,8 @@
           </p:nvSpPr>
           <p:spPr>
             <a:xfrm>
-              <a:off x="2878253" y="4635540"/>
-              <a:ext cx="1189749" cy="324641"/>
+              <a:off x="2931953" y="4635540"/>
+              <a:ext cx="1082348" cy="317395"/>
             </a:xfrm>
             <a:prstGeom prst="rect">
               <a:avLst/>
@@ -6926,34 +6906,14 @@
                 </a:lnSpc>
               </a:pPr>
               <a:r>
-                <a:rPr kumimoji="1" lang="en-US" altLang="zh-CN" sz="1400" dirty="0">
+                <a:rPr kumimoji="1" lang="zh-CN" altLang="en-US" sz="1400" dirty="0">
                   <a:solidFill>
                     <a:srgbClr val="737893"/>
                   </a:solidFill>
                   <a:latin typeface="Helvetica" pitchFamily="2" charset="0"/>
                   <a:cs typeface="Arial" panose="020B0604020202020204" pitchFamily="34" charset="0"/>
                 </a:rPr>
-                <a:t>Wind</a:t>
-              </a:r>
-              <a:r>
-                <a:rPr kumimoji="1" lang="zh-CN" altLang="en-US" sz="1400" dirty="0">
-                  <a:solidFill>
-                    <a:srgbClr val="737893"/>
-                  </a:solidFill>
-                  <a:latin typeface="Helvetica" pitchFamily="2" charset="0"/>
-                  <a:cs typeface="Arial" panose="020B0604020202020204" pitchFamily="34" charset="0"/>
-                </a:rPr>
-                <a:t> </a:t>
-              </a:r>
-              <a:r>
-                <a:rPr kumimoji="1" lang="en-US" altLang="zh-CN" sz="1400" dirty="0">
-                  <a:solidFill>
-                    <a:srgbClr val="737893"/>
-                  </a:solidFill>
-                  <a:latin typeface="Helvetica" pitchFamily="2" charset="0"/>
-                  <a:cs typeface="Arial" panose="020B0604020202020204" pitchFamily="34" charset="0"/>
-                </a:rPr>
-                <a:t>turbine</a:t>
+                <a:t>风力发电机</a:t>
               </a:r>
               <a:endParaRPr kumimoji="1" lang="zh-CN" altLang="en-US" sz="1400" dirty="0">
                 <a:solidFill>
@@ -7355,8 +7315,8 @@
           </p:nvSpPr>
           <p:spPr>
             <a:xfrm>
-              <a:off x="4447988" y="4635540"/>
-              <a:ext cx="1189749" cy="324641"/>
+              <a:off x="4501688" y="4635540"/>
+              <a:ext cx="1082348" cy="317395"/>
             </a:xfrm>
             <a:prstGeom prst="rect">
               <a:avLst/>
@@ -7375,34 +7335,14 @@
                 </a:lnSpc>
               </a:pPr>
               <a:r>
-                <a:rPr kumimoji="1" lang="en-US" altLang="zh-CN" sz="1400" dirty="0">
+                <a:rPr kumimoji="1" lang="zh-CN" altLang="en-US" sz="1400" dirty="0">
                   <a:solidFill>
                     <a:srgbClr val="737893"/>
                   </a:solidFill>
                   <a:latin typeface="Helvetica" pitchFamily="2" charset="0"/>
                   <a:cs typeface="Arial" panose="020B0604020202020204" pitchFamily="34" charset="0"/>
                 </a:rPr>
-                <a:t>Wind</a:t>
-              </a:r>
-              <a:r>
-                <a:rPr kumimoji="1" lang="zh-CN" altLang="en-US" sz="1400" dirty="0">
-                  <a:solidFill>
-                    <a:srgbClr val="737893"/>
-                  </a:solidFill>
-                  <a:latin typeface="Helvetica" pitchFamily="2" charset="0"/>
-                  <a:cs typeface="Arial" panose="020B0604020202020204" pitchFamily="34" charset="0"/>
-                </a:rPr>
-                <a:t> </a:t>
-              </a:r>
-              <a:r>
-                <a:rPr kumimoji="1" lang="en-US" altLang="zh-CN" sz="1400" dirty="0">
-                  <a:solidFill>
-                    <a:srgbClr val="737893"/>
-                  </a:solidFill>
-                  <a:latin typeface="Helvetica" pitchFamily="2" charset="0"/>
-                  <a:cs typeface="Arial" panose="020B0604020202020204" pitchFamily="34" charset="0"/>
-                </a:rPr>
-                <a:t>turbine</a:t>
+                <a:t>风力发电机</a:t>
               </a:r>
               <a:endParaRPr kumimoji="1" lang="zh-CN" altLang="en-US" sz="1400" dirty="0">
                 <a:solidFill>
@@ -7804,8 +7744,8 @@
           </p:nvSpPr>
           <p:spPr>
             <a:xfrm>
-              <a:off x="5959609" y="4635540"/>
-              <a:ext cx="1189749" cy="324641"/>
+              <a:off x="6013309" y="4635540"/>
+              <a:ext cx="1082348" cy="317395"/>
             </a:xfrm>
             <a:prstGeom prst="rect">
               <a:avLst/>
@@ -7824,34 +7764,14 @@
                 </a:lnSpc>
               </a:pPr>
               <a:r>
-                <a:rPr kumimoji="1" lang="en-US" altLang="zh-CN" sz="1400" dirty="0">
+                <a:rPr kumimoji="1" lang="zh-CN" altLang="en-US" sz="1400" dirty="0">
                   <a:solidFill>
                     <a:srgbClr val="737893"/>
                   </a:solidFill>
                   <a:latin typeface="Helvetica" pitchFamily="2" charset="0"/>
                   <a:cs typeface="Arial" panose="020B0604020202020204" pitchFamily="34" charset="0"/>
                 </a:rPr>
-                <a:t>Wind</a:t>
-              </a:r>
-              <a:r>
-                <a:rPr kumimoji="1" lang="zh-CN" altLang="en-US" sz="1400" dirty="0">
-                  <a:solidFill>
-                    <a:srgbClr val="737893"/>
-                  </a:solidFill>
-                  <a:latin typeface="Helvetica" pitchFamily="2" charset="0"/>
-                  <a:cs typeface="Arial" panose="020B0604020202020204" pitchFamily="34" charset="0"/>
-                </a:rPr>
-                <a:t> </a:t>
-              </a:r>
-              <a:r>
-                <a:rPr kumimoji="1" lang="en-US" altLang="zh-CN" sz="1400" dirty="0">
-                  <a:solidFill>
-                    <a:srgbClr val="737893"/>
-                  </a:solidFill>
-                  <a:latin typeface="Helvetica" pitchFamily="2" charset="0"/>
-                  <a:cs typeface="Arial" panose="020B0604020202020204" pitchFamily="34" charset="0"/>
-                </a:rPr>
-                <a:t>turbine</a:t>
+                <a:t>风力发电机</a:t>
               </a:r>
               <a:endParaRPr kumimoji="1" lang="zh-CN" altLang="en-US" sz="1400" dirty="0">
                 <a:solidFill>
@@ -11595,7 +11515,7 @@
           <a:blip r:embed="rId2">
             <a:extLst>
               <a:ext uri="{96DAC541-7B7A-43D3-8B79-37D633B846F1}">
-                <asvg:svgBlip xmlns:asvg="http://schemas.microsoft.com/office/drawing/2016/SVG/main" r:embed="rId3"/>
+                <asvg:svgBlip xmlns:asvg="http://schemas.microsoft.com/office/drawing/2016/SVG/main" xmlns="" r:embed="rId3"/>
               </a:ext>
             </a:extLst>
           </a:blip>
@@ -11675,7 +11595,7 @@
           <a:blip r:embed="rId2">
             <a:extLst>
               <a:ext uri="{96DAC541-7B7A-43D3-8B79-37D633B846F1}">
-                <asvg:svgBlip xmlns:asvg="http://schemas.microsoft.com/office/drawing/2016/SVG/main" r:embed="rId3"/>
+                <asvg:svgBlip xmlns:asvg="http://schemas.microsoft.com/office/drawing/2016/SVG/main" xmlns="" r:embed="rId3"/>
               </a:ext>
             </a:extLst>
           </a:blip>
@@ -14679,7 +14599,7 @@
           <a:blip r:embed="rId2">
             <a:extLst>
               <a:ext uri="{96DAC541-7B7A-43D3-8B79-37D633B846F1}">
-                <asvg:svgBlip xmlns:asvg="http://schemas.microsoft.com/office/drawing/2016/SVG/main" r:embed="rId3"/>
+                <asvg:svgBlip xmlns:asvg="http://schemas.microsoft.com/office/drawing/2016/SVG/main" xmlns="" r:embed="rId3"/>
               </a:ext>
             </a:extLst>
           </a:blip>
@@ -14759,7 +14679,7 @@
           <a:blip r:embed="rId2">
             <a:extLst>
               <a:ext uri="{96DAC541-7B7A-43D3-8B79-37D633B846F1}">
-                <asvg:svgBlip xmlns:asvg="http://schemas.microsoft.com/office/drawing/2016/SVG/main" r:embed="rId3"/>
+                <asvg:svgBlip xmlns:asvg="http://schemas.microsoft.com/office/drawing/2016/SVG/main" xmlns="" r:embed="rId3"/>
               </a:ext>
             </a:extLst>
           </a:blip>
@@ -14839,7 +14759,7 @@
           <a:blip r:embed="rId2">
             <a:extLst>
               <a:ext uri="{96DAC541-7B7A-43D3-8B79-37D633B846F1}">
-                <asvg:svgBlip xmlns:asvg="http://schemas.microsoft.com/office/drawing/2016/SVG/main" r:embed="rId3"/>
+                <asvg:svgBlip xmlns:asvg="http://schemas.microsoft.com/office/drawing/2016/SVG/main" xmlns="" r:embed="rId3"/>
               </a:ext>
             </a:extLst>
           </a:blip>
@@ -20952,7 +20872,7 @@
             <a:blip r:embed="rId2">
               <a:extLst>
                 <a:ext uri="{96DAC541-7B7A-43D3-8B79-37D633B846F1}">
-                  <asvg:svgBlip xmlns:asvg="http://schemas.microsoft.com/office/drawing/2016/SVG/main" r:embed="rId3"/>
+                  <asvg:svgBlip xmlns:asvg="http://schemas.microsoft.com/office/drawing/2016/SVG/main" xmlns="" r:embed="rId3"/>
                 </a:ext>
               </a:extLst>
             </a:blip>
@@ -20988,7 +20908,7 @@
             <a:blip r:embed="rId2">
               <a:extLst>
                 <a:ext uri="{96DAC541-7B7A-43D3-8B79-37D633B846F1}">
-                  <asvg:svgBlip xmlns:asvg="http://schemas.microsoft.com/office/drawing/2016/SVG/main" r:embed="rId3"/>
+                  <asvg:svgBlip xmlns:asvg="http://schemas.microsoft.com/office/drawing/2016/SVG/main" xmlns="" r:embed="rId3"/>
                 </a:ext>
               </a:extLst>
             </a:blip>
@@ -21024,7 +20944,7 @@
             <a:blip r:embed="rId2">
               <a:extLst>
                 <a:ext uri="{96DAC541-7B7A-43D3-8B79-37D633B846F1}">
-                  <asvg:svgBlip xmlns:asvg="http://schemas.microsoft.com/office/drawing/2016/SVG/main" r:embed="rId3"/>
+                  <asvg:svgBlip xmlns:asvg="http://schemas.microsoft.com/office/drawing/2016/SVG/main" xmlns="" r:embed="rId3"/>
                 </a:ext>
               </a:extLst>
             </a:blip>
@@ -21060,7 +20980,7 @@
             <a:blip r:embed="rId2">
               <a:extLst>
                 <a:ext uri="{96DAC541-7B7A-43D3-8B79-37D633B846F1}">
-                  <asvg:svgBlip xmlns:asvg="http://schemas.microsoft.com/office/drawing/2016/SVG/main" r:embed="rId3"/>
+                  <asvg:svgBlip xmlns:asvg="http://schemas.microsoft.com/office/drawing/2016/SVG/main" xmlns="" r:embed="rId3"/>
                 </a:ext>
               </a:extLst>
             </a:blip>
@@ -21365,7 +21285,7 @@
             <a:blip r:embed="rId2">
               <a:extLst>
                 <a:ext uri="{96DAC541-7B7A-43D3-8B79-37D633B846F1}">
-                  <asvg:svgBlip xmlns:asvg="http://schemas.microsoft.com/office/drawing/2016/SVG/main" r:embed="rId3"/>
+                  <asvg:svgBlip xmlns:asvg="http://schemas.microsoft.com/office/drawing/2016/SVG/main" xmlns="" r:embed="rId3"/>
                 </a:ext>
               </a:extLst>
             </a:blip>
@@ -21401,7 +21321,7 @@
             <a:blip r:embed="rId2">
               <a:extLst>
                 <a:ext uri="{96DAC541-7B7A-43D3-8B79-37D633B846F1}">
-                  <asvg:svgBlip xmlns:asvg="http://schemas.microsoft.com/office/drawing/2016/SVG/main" r:embed="rId3"/>
+                  <asvg:svgBlip xmlns:asvg="http://schemas.microsoft.com/office/drawing/2016/SVG/main" xmlns="" r:embed="rId3"/>
                 </a:ext>
               </a:extLst>
             </a:blip>
